--- a/presentación/ReuniCheck.pptx
+++ b/presentación/ReuniCheck.pptx
@@ -17258,7 +17258,7 @@
         </p:spPr>
         <p:txBody>
           <a:bodyPr anchorCtr="0" anchor="t" bIns="45700" lIns="91425" spcFirstLastPara="1" rIns="91425" wrap="square" tIns="45700">
-            <a:normAutofit/>
+            <a:normAutofit fontScale="62500" lnSpcReduction="20000"/>
           </a:bodyPr>
           <a:lstStyle/>
           <a:p>
@@ -17275,7 +17275,7 @@
               <a:buClr>
                 <a:schemeClr val="dk1"/>
               </a:buClr>
-              <a:buSzPts val="2400"/>
+              <a:buSzPct val="100000"/>
               <a:buNone/>
             </a:pPr>
             <a:r>
@@ -17285,6 +17285,88 @@
                 </a:solidFill>
               </a:rPr>
               <a:t>Evita reuniones innecesarias y ahorra tiempo</a:t>
+            </a:r>
+            <a:endParaRPr b="1">
+              <a:solidFill>
+                <a:schemeClr val="lt1"/>
+              </a:solidFill>
+            </a:endParaRPr>
+          </a:p>
+          <a:p>
+            <a:pPr indent="0" lvl="0" marL="0" rtl="0" algn="l">
+              <a:lnSpc>
+                <a:spcPct val="90000"/>
+              </a:lnSpc>
+              <a:spcBef>
+                <a:spcPts val="0"/>
+              </a:spcBef>
+              <a:spcAft>
+                <a:spcPts val="0"/>
+              </a:spcAft>
+              <a:buClr>
+                <a:schemeClr val="dk1"/>
+              </a:buClr>
+              <a:buSzPct val="100000"/>
+              <a:buNone/>
+            </a:pPr>
+            <a:r>
+              <a:t/>
+            </a:r>
+            <a:endParaRPr b="1">
+              <a:solidFill>
+                <a:schemeClr val="lt1"/>
+              </a:solidFill>
+            </a:endParaRPr>
+          </a:p>
+          <a:p>
+            <a:pPr indent="0" lvl="0" marL="0" rtl="0" algn="ctr">
+              <a:spcBef>
+                <a:spcPts val="0"/>
+              </a:spcBef>
+              <a:spcAft>
+                <a:spcPts val="0"/>
+              </a:spcAft>
+              <a:buClr>
+                <a:schemeClr val="dk1"/>
+              </a:buClr>
+              <a:buSzPct val="100000"/>
+              <a:buNone/>
+            </a:pPr>
+            <a:r>
+              <a:rPr lang="es-ES">
+                <a:solidFill>
+                  <a:schemeClr val="lt1"/>
+                </a:solidFill>
+              </a:rPr>
+              <a:t>Sara Facal Boullosa</a:t>
+            </a:r>
+            <a:endParaRPr>
+              <a:solidFill>
+                <a:schemeClr val="lt1"/>
+              </a:solidFill>
+            </a:endParaRPr>
+          </a:p>
+          <a:p>
+            <a:pPr indent="0" lvl="0" marL="0" rtl="0" algn="ctr">
+              <a:spcBef>
+                <a:spcPts val="0"/>
+              </a:spcBef>
+              <a:spcAft>
+                <a:spcPts val="0"/>
+              </a:spcAft>
+              <a:buClr>
+                <a:schemeClr val="dk1"/>
+              </a:buClr>
+              <a:buSzPct val="100000"/>
+              <a:buNone/>
+            </a:pPr>
+            <a:r>
+              <a:rPr lang="es-ES">
+                <a:solidFill>
+                  <a:schemeClr val="lt1"/>
+                </a:solidFill>
+              </a:rPr>
+              <a:t>Alejandro López Lugris</a:t>
             </a:r>
             <a:endParaRPr b="1">
               <a:solidFill>
@@ -19210,7 +19292,13 @@
               <a:buNone/>
             </a:pPr>
             <a:r>
-              <a:t/>
+              <a:rPr lang="es-ES" u="sng">
+                <a:solidFill>
+                  <a:schemeClr val="hlink"/>
+                </a:solidFill>
+                <a:hlinkClick r:id="rId4"/>
+              </a:rPr>
+              <a:t>ReuniCheck Back</a:t>
             </a:r>
             <a:endParaRPr/>
           </a:p>
@@ -19259,6 +19347,28 @@
             <a:endParaRPr/>
           </a:p>
           <a:p>
+            <a:pPr indent="-76200" lvl="0" marL="228600" rtl="0" algn="l">
+              <a:lnSpc>
+                <a:spcPct val="90000"/>
+              </a:lnSpc>
+              <a:spcBef>
+                <a:spcPts val="0"/>
+              </a:spcBef>
+              <a:spcAft>
+                <a:spcPts val="0"/>
+              </a:spcAft>
+              <a:buClr>
+                <a:schemeClr val="dk1"/>
+              </a:buClr>
+              <a:buSzPts val="2400"/>
+              <a:buNone/>
+            </a:pPr>
+            <a:r>
+              <a:t/>
+            </a:r>
+            <a:endParaRPr/>
+          </a:p>
+          <a:p>
             <a:pPr indent="0" lvl="0" marL="0" rtl="0" algn="l">
               <a:lnSpc>
                 <a:spcPct val="90000"/>
@@ -19302,7 +19412,7 @@
                 <a:solidFill>
                   <a:schemeClr val="hlink"/>
                 </a:solidFill>
-                <a:hlinkClick r:id="rId4"/>
+                <a:hlinkClick r:id="rId5"/>
               </a:rPr>
               <a:t>Repositorio de GitHub</a:t>
             </a:r>
@@ -19545,7 +19655,7 @@
                 <a:cs typeface="Arial"/>
                 <a:sym typeface="Arial"/>
               </a:rPr>
-              <a:t>Integración Calendario</a:t>
+              <a:t>Integración calendario</a:t>
             </a:r>
             <a:r>
               <a:rPr lang="es-ES" sz="2600">
@@ -19605,7 +19715,7 @@
                 <a:cs typeface="Arial"/>
                 <a:sym typeface="Arial"/>
               </a:rPr>
-              <a:t>Notificaciones Inteligentes</a:t>
+              <a:t>Notificaciones inteligentes</a:t>
             </a:r>
             <a:r>
               <a:rPr lang="es-ES" sz="2600">
